--- a/前端开发技术培训.pptx
+++ b/前端开发技术培训.pptx
@@ -12,9 +12,13 @@
     <p:sldId id="260" r:id="rId6"/>
     <p:sldId id="261" r:id="rId7"/>
     <p:sldId id="262" r:id="rId8"/>
-    <p:sldId id="263" r:id="rId9"/>
-    <p:sldId id="264" r:id="rId10"/>
-    <p:sldId id="265" r:id="rId11"/>
+    <p:sldId id="268" r:id="rId9"/>
+    <p:sldId id="269" r:id="rId10"/>
+    <p:sldId id="263" r:id="rId11"/>
+    <p:sldId id="264" r:id="rId12"/>
+    <p:sldId id="265" r:id="rId13"/>
+    <p:sldId id="266" r:id="rId14"/>
+    <p:sldId id="267" r:id="rId15"/>
   </p:sldIdLst>
   <p:sldSz cx="9144000" cy="6858000" type="screen4x3"/>
   <p:notesSz cx="6858000" cy="9144000"/>
@@ -775,7 +779,7 @@
             <a:fld id="{530820CF-B880-4189-942D-D702A7CBA730}" type="datetimeFigureOut">
               <a:rPr lang="zh-CN" altLang="en-US" smtClean="0"/>
               <a:pPr/>
-              <a:t>2016/11/25</a:t>
+              <a:t>2016/11/28</a:t>
             </a:fld>
             <a:endParaRPr lang="zh-CN" altLang="en-US"/>
           </a:p>
@@ -960,7 +964,7 @@
             <a:fld id="{530820CF-B880-4189-942D-D702A7CBA730}" type="datetimeFigureOut">
               <a:rPr lang="zh-CN" altLang="en-US" smtClean="0"/>
               <a:pPr/>
-              <a:t>2016/11/25</a:t>
+              <a:t>2016/11/28</a:t>
             </a:fld>
             <a:endParaRPr lang="zh-CN" altLang="en-US"/>
           </a:p>
@@ -1137,7 +1141,7 @@
             <a:fld id="{530820CF-B880-4189-942D-D702A7CBA730}" type="datetimeFigureOut">
               <a:rPr lang="zh-CN" altLang="en-US" smtClean="0"/>
               <a:pPr/>
-              <a:t>2016/11/25</a:t>
+              <a:t>2016/11/28</a:t>
             </a:fld>
             <a:endParaRPr lang="zh-CN" altLang="en-US"/>
           </a:p>
@@ -1304,7 +1308,7 @@
             <a:fld id="{530820CF-B880-4189-942D-D702A7CBA730}" type="datetimeFigureOut">
               <a:rPr lang="zh-CN" altLang="en-US" smtClean="0"/>
               <a:pPr/>
-              <a:t>2016/11/25</a:t>
+              <a:t>2016/11/28</a:t>
             </a:fld>
             <a:endParaRPr lang="zh-CN" altLang="en-US"/>
           </a:p>
@@ -1527,7 +1531,7 @@
             <a:fld id="{530820CF-B880-4189-942D-D702A7CBA730}" type="datetimeFigureOut">
               <a:rPr lang="zh-CN" altLang="en-US" smtClean="0"/>
               <a:pPr/>
-              <a:t>2016/11/25</a:t>
+              <a:t>2016/11/28</a:t>
             </a:fld>
             <a:endParaRPr lang="zh-CN" altLang="en-US"/>
           </a:p>
@@ -1788,7 +1792,7 @@
             <a:fld id="{530820CF-B880-4189-942D-D702A7CBA730}" type="datetimeFigureOut">
               <a:rPr lang="zh-CN" altLang="en-US" smtClean="0"/>
               <a:pPr/>
-              <a:t>2016/11/25</a:t>
+              <a:t>2016/11/28</a:t>
             </a:fld>
             <a:endParaRPr lang="zh-CN" altLang="en-US"/>
           </a:p>
@@ -2194,7 +2198,7 @@
             <a:fld id="{530820CF-B880-4189-942D-D702A7CBA730}" type="datetimeFigureOut">
               <a:rPr lang="zh-CN" altLang="en-US" smtClean="0"/>
               <a:pPr/>
-              <a:t>2016/11/25</a:t>
+              <a:t>2016/11/28</a:t>
             </a:fld>
             <a:endParaRPr lang="zh-CN" altLang="en-US"/>
           </a:p>
@@ -2327,7 +2331,7 @@
             <a:fld id="{530820CF-B880-4189-942D-D702A7CBA730}" type="datetimeFigureOut">
               <a:rPr lang="zh-CN" altLang="en-US" smtClean="0"/>
               <a:pPr/>
-              <a:t>2016/11/25</a:t>
+              <a:t>2016/11/28</a:t>
             </a:fld>
             <a:endParaRPr lang="zh-CN" altLang="en-US"/>
           </a:p>
@@ -2429,7 +2433,7 @@
             <a:fld id="{530820CF-B880-4189-942D-D702A7CBA730}" type="datetimeFigureOut">
               <a:rPr lang="zh-CN" altLang="en-US" smtClean="0"/>
               <a:pPr/>
-              <a:t>2016/11/25</a:t>
+              <a:t>2016/11/28</a:t>
             </a:fld>
             <a:endParaRPr lang="zh-CN" altLang="en-US"/>
           </a:p>
@@ -2676,7 +2680,7 @@
             <a:fld id="{530820CF-B880-4189-942D-D702A7CBA730}" type="datetimeFigureOut">
               <a:rPr lang="zh-CN" altLang="en-US" smtClean="0"/>
               <a:pPr/>
-              <a:t>2016/11/25</a:t>
+              <a:t>2016/11/28</a:t>
             </a:fld>
             <a:endParaRPr lang="zh-CN" altLang="en-US"/>
           </a:p>
@@ -2922,7 +2926,7 @@
             <a:fld id="{530820CF-B880-4189-942D-D702A7CBA730}" type="datetimeFigureOut">
               <a:rPr lang="zh-CN" altLang="en-US" smtClean="0"/>
               <a:pPr/>
-              <a:t>2016/11/25</a:t>
+              <a:t>2016/11/28</a:t>
             </a:fld>
             <a:endParaRPr lang="zh-CN" altLang="en-US"/>
           </a:p>
@@ -3748,7 +3752,7 @@
             <a:fld id="{530820CF-B880-4189-942D-D702A7CBA730}" type="datetimeFigureOut">
               <a:rPr lang="zh-CN" altLang="en-US" smtClean="0"/>
               <a:pPr/>
-              <a:t>2016/11/25</a:t>
+              <a:t>2016/11/28</a:t>
             </a:fld>
             <a:endParaRPr lang="zh-CN" altLang="en-US"/>
           </a:p>
@@ -4231,6 +4235,360 @@
           <a:p>
             <a:r>
               <a:rPr lang="en-US" altLang="zh-CN" dirty="0" smtClean="0"/>
+              <a:t>Express-handlebars</a:t>
+            </a:r>
+            <a:endParaRPr lang="zh-CN" altLang="en-US" dirty="0"/>
+          </a:p>
+        </p:txBody>
+      </p:sp>
+      <p:sp>
+        <p:nvSpPr>
+          <p:cNvPr id="3" name="内容占位符 2"/>
+          <p:cNvSpPr>
+            <a:spLocks noGrp="1"/>
+          </p:cNvSpPr>
+          <p:nvPr>
+            <p:ph idx="1"/>
+          </p:nvPr>
+        </p:nvSpPr>
+        <p:spPr/>
+        <p:txBody>
+          <a:bodyPr>
+            <a:normAutofit/>
+          </a:bodyPr>
+          <a:lstStyle/>
+          <a:p>
+            <a:r>
+              <a:rPr lang="zh-CN" altLang="en-US" dirty="0" smtClean="0"/>
+              <a:t>是什么？</a:t>
+            </a:r>
+            <a:endParaRPr lang="en-US" altLang="zh-CN" dirty="0" smtClean="0"/>
+          </a:p>
+          <a:p>
+            <a:pPr>
+              <a:buNone/>
+            </a:pPr>
+            <a:endParaRPr lang="en-US" altLang="zh-CN" dirty="0" smtClean="0"/>
+          </a:p>
+          <a:p>
+            <a:pPr>
+              <a:buNone/>
+            </a:pPr>
+            <a:r>
+              <a:rPr lang="en-US" altLang="zh-CN" dirty="0" smtClean="0"/>
+              <a:t>	handlebars</a:t>
+            </a:r>
+            <a:r>
+              <a:rPr lang="zh-CN" altLang="en-US" dirty="0" smtClean="0"/>
+              <a:t>是基于</a:t>
+            </a:r>
+            <a:r>
+              <a:rPr lang="en-US" altLang="zh-CN" dirty="0" smtClean="0"/>
+              <a:t>Mustache</a:t>
+            </a:r>
+            <a:r>
+              <a:rPr lang="zh-CN" altLang="en-US" dirty="0" smtClean="0"/>
+              <a:t>的模板引擎，分为前端模板和后端模板。</a:t>
+            </a:r>
+            <a:endParaRPr lang="en-US" altLang="zh-CN" dirty="0" smtClean="0"/>
+          </a:p>
+          <a:p>
+            <a:pPr>
+              <a:buNone/>
+            </a:pPr>
+            <a:endParaRPr lang="en-US" altLang="zh-CN" dirty="0" smtClean="0"/>
+          </a:p>
+          <a:p>
+            <a:pPr>
+              <a:buNone/>
+            </a:pPr>
+            <a:r>
+              <a:rPr lang="en-US" altLang="zh-CN" dirty="0" smtClean="0"/>
+              <a:t>	</a:t>
+            </a:r>
+            <a:r>
+              <a:rPr lang="zh-CN" altLang="en-US" dirty="0" smtClean="0"/>
+              <a:t>后端模板例子参见</a:t>
+            </a:r>
+            <a:r>
+              <a:rPr lang="en-US" altLang="zh-CN" dirty="0" smtClean="0"/>
+              <a:t>express-example-template</a:t>
+            </a:r>
+          </a:p>
+          <a:p>
+            <a:endParaRPr lang="en-US" altLang="zh-CN" dirty="0" smtClean="0"/>
+          </a:p>
+          <a:p>
+            <a:r>
+              <a:rPr lang="zh-CN" altLang="en-US" dirty="0" smtClean="0"/>
+              <a:t>知识点</a:t>
+            </a:r>
+            <a:endParaRPr lang="en-US" altLang="zh-CN" dirty="0" smtClean="0"/>
+          </a:p>
+          <a:p>
+            <a:pPr>
+              <a:buNone/>
+            </a:pPr>
+            <a:r>
+              <a:rPr lang="en-US" altLang="zh-CN" dirty="0" smtClean="0"/>
+              <a:t>     1.</a:t>
+            </a:r>
+            <a:r>
+              <a:rPr lang="zh-CN" altLang="en-US" dirty="0" smtClean="0"/>
+              <a:t>布局   </a:t>
+            </a:r>
+            <a:r>
+              <a:rPr lang="en-US" altLang="zh-CN" dirty="0" smtClean="0"/>
+              <a:t>2.</a:t>
+            </a:r>
+            <a:r>
+              <a:rPr lang="zh-CN" altLang="en-US" dirty="0" smtClean="0"/>
+              <a:t>模板语法 </a:t>
+            </a:r>
+            <a:r>
+              <a:rPr lang="en-US" altLang="zh-CN" dirty="0" smtClean="0"/>
+              <a:t>3.</a:t>
+            </a:r>
+            <a:r>
+              <a:rPr lang="zh-CN" altLang="en-US" dirty="0" smtClean="0"/>
+              <a:t>局部文件 </a:t>
+            </a:r>
+            <a:r>
+              <a:rPr lang="en-US" altLang="zh-CN" dirty="0" smtClean="0"/>
+              <a:t>4.</a:t>
+            </a:r>
+            <a:r>
+              <a:rPr lang="zh-CN" altLang="en-US" dirty="0" smtClean="0"/>
+              <a:t>段落</a:t>
+            </a:r>
+            <a:endParaRPr lang="en-US" altLang="zh-CN" dirty="0" smtClean="0"/>
+          </a:p>
+          <a:p>
+            <a:endParaRPr lang="en-US" altLang="zh-CN" dirty="0" smtClean="0"/>
+          </a:p>
+          <a:p>
+            <a:pPr>
+              <a:buNone/>
+            </a:pPr>
+            <a:endParaRPr lang="en-US" altLang="zh-CN" dirty="0" smtClean="0"/>
+          </a:p>
+          <a:p>
+            <a:pPr>
+              <a:buNone/>
+            </a:pPr>
+            <a:endParaRPr lang="en-US" altLang="zh-CN" dirty="0" smtClean="0"/>
+          </a:p>
+        </p:txBody>
+      </p:sp>
+    </p:spTree>
+  </p:cSld>
+  <p:clrMapOvr>
+    <a:masterClrMapping/>
+  </p:clrMapOvr>
+</p:sld>
+</file>
+
+<file path=ppt/slides/slide11.xml><?xml version="1.0" encoding="utf-8"?>
+<p:sld xmlns:a="http://schemas.openxmlformats.org/drawingml/2006/main" xmlns:r="http://schemas.openxmlformats.org/officeDocument/2006/relationships" xmlns:p="http://schemas.openxmlformats.org/presentationml/2006/main">
+  <p:cSld>
+    <p:spTree>
+      <p:nvGrpSpPr>
+        <p:cNvPr id="1" name=""/>
+        <p:cNvGrpSpPr/>
+        <p:nvPr/>
+      </p:nvGrpSpPr>
+      <p:grpSpPr>
+        <a:xfrm>
+          <a:off x="0" y="0"/>
+          <a:ext cx="0" cy="0"/>
+          <a:chOff x="0" y="0"/>
+          <a:chExt cx="0" cy="0"/>
+        </a:xfrm>
+      </p:grpSpPr>
+      <p:sp>
+        <p:nvSpPr>
+          <p:cNvPr id="2" name="标题 1"/>
+          <p:cNvSpPr>
+            <a:spLocks noGrp="1"/>
+          </p:cNvSpPr>
+          <p:nvPr>
+            <p:ph type="title"/>
+          </p:nvPr>
+        </p:nvSpPr>
+        <p:spPr/>
+        <p:txBody>
+          <a:bodyPr/>
+          <a:lstStyle/>
+          <a:p>
+            <a:r>
+              <a:rPr lang="en-US" altLang="zh-CN" dirty="0" smtClean="0"/>
+              <a:t>Express request</a:t>
+            </a:r>
+            <a:r>
+              <a:rPr lang="zh-CN" altLang="en-US" dirty="0" smtClean="0"/>
+              <a:t>对象</a:t>
+            </a:r>
+            <a:endParaRPr lang="zh-CN" altLang="en-US" dirty="0"/>
+          </a:p>
+        </p:txBody>
+      </p:sp>
+      <p:sp>
+        <p:nvSpPr>
+          <p:cNvPr id="3" name="内容占位符 2"/>
+          <p:cNvSpPr>
+            <a:spLocks noGrp="1"/>
+          </p:cNvSpPr>
+          <p:nvPr>
+            <p:ph idx="1"/>
+          </p:nvPr>
+        </p:nvSpPr>
+        <p:spPr/>
+        <p:txBody>
+          <a:bodyPr/>
+          <a:lstStyle/>
+          <a:p>
+            <a:r>
+              <a:rPr lang="en-US" altLang="zh-CN" dirty="0" err="1" smtClean="0"/>
+              <a:t>Request.params</a:t>
+            </a:r>
+            <a:r>
+              <a:rPr lang="en-US" altLang="zh-CN" dirty="0" smtClean="0"/>
+              <a:t> </a:t>
+            </a:r>
+            <a:r>
+              <a:rPr lang="zh-CN" altLang="en-US" dirty="0" smtClean="0"/>
+              <a:t>返回命名的路由参数</a:t>
+            </a:r>
+            <a:endParaRPr lang="en-US" altLang="zh-CN" dirty="0" smtClean="0"/>
+          </a:p>
+          <a:p>
+            <a:endParaRPr lang="en-US" altLang="zh-CN" dirty="0" smtClean="0"/>
+          </a:p>
+          <a:p>
+            <a:r>
+              <a:rPr lang="en-US" altLang="zh-CN" dirty="0" err="1" smtClean="0"/>
+              <a:t>Request.query</a:t>
+            </a:r>
+            <a:r>
+              <a:rPr lang="en-US" altLang="zh-CN" dirty="0" smtClean="0"/>
+              <a:t>  </a:t>
+            </a:r>
+            <a:r>
+              <a:rPr lang="zh-CN" altLang="en-US" dirty="0" smtClean="0"/>
+              <a:t>一个对象，包含以键值对存放的查询字符串参数</a:t>
+            </a:r>
+            <a:endParaRPr lang="en-US" altLang="zh-CN" dirty="0" smtClean="0"/>
+          </a:p>
+          <a:p>
+            <a:endParaRPr lang="en-US" altLang="zh-CN" dirty="0" smtClean="0"/>
+          </a:p>
+          <a:p>
+            <a:r>
+              <a:rPr lang="en-US" altLang="zh-CN" dirty="0" err="1" smtClean="0"/>
+              <a:t>Request.body</a:t>
+            </a:r>
+            <a:r>
+              <a:rPr lang="en-US" altLang="zh-CN" dirty="0" smtClean="0"/>
+              <a:t>  </a:t>
+            </a:r>
+            <a:r>
+              <a:rPr lang="zh-CN" altLang="en-US" dirty="0" smtClean="0"/>
+              <a:t>一个对象，包含</a:t>
+            </a:r>
+            <a:r>
+              <a:rPr lang="en-US" altLang="zh-CN" dirty="0" smtClean="0"/>
+              <a:t>post</a:t>
+            </a:r>
+            <a:r>
+              <a:rPr lang="zh-CN" altLang="en-US" dirty="0" smtClean="0"/>
+              <a:t>请求参数</a:t>
+            </a:r>
+            <a:r>
+              <a:rPr lang="en-US" altLang="zh-CN" dirty="0" smtClean="0"/>
+              <a:t>(</a:t>
+            </a:r>
+            <a:r>
+              <a:rPr lang="zh-CN" altLang="en-US" dirty="0" smtClean="0"/>
+              <a:t>需要引入</a:t>
+            </a:r>
+            <a:r>
+              <a:rPr lang="en-US" altLang="zh-CN" dirty="0" smtClean="0"/>
+              <a:t>body-parser</a:t>
+            </a:r>
+            <a:r>
+              <a:rPr lang="zh-CN" altLang="en-US" dirty="0" smtClean="0"/>
+              <a:t>模块</a:t>
+            </a:r>
+            <a:r>
+              <a:rPr lang="en-US" altLang="zh-CN" dirty="0" smtClean="0"/>
+              <a:t>)</a:t>
+            </a:r>
+          </a:p>
+          <a:p>
+            <a:endParaRPr lang="en-US" altLang="zh-CN" dirty="0" smtClean="0"/>
+          </a:p>
+          <a:p>
+            <a:pPr>
+              <a:buNone/>
+            </a:pPr>
+            <a:r>
+              <a:rPr lang="en-US" altLang="zh-CN" dirty="0" smtClean="0"/>
+              <a:t>		</a:t>
+            </a:r>
+            <a:r>
+              <a:rPr lang="zh-CN" altLang="en-US" dirty="0" smtClean="0"/>
+              <a:t>例子参见</a:t>
+            </a:r>
+            <a:r>
+              <a:rPr lang="en-US" altLang="zh-CN" dirty="0" smtClean="0"/>
+              <a:t>express-example-request</a:t>
+            </a:r>
+            <a:endParaRPr lang="zh-CN" altLang="en-US" dirty="0"/>
+          </a:p>
+        </p:txBody>
+      </p:sp>
+    </p:spTree>
+  </p:cSld>
+  <p:clrMapOvr>
+    <a:masterClrMapping/>
+  </p:clrMapOvr>
+</p:sld>
+</file>
+
+<file path=ppt/slides/slide12.xml><?xml version="1.0" encoding="utf-8"?>
+<p:sld xmlns:a="http://schemas.openxmlformats.org/drawingml/2006/main" xmlns:r="http://schemas.openxmlformats.org/officeDocument/2006/relationships" xmlns:p="http://schemas.openxmlformats.org/presentationml/2006/main">
+  <p:cSld>
+    <p:spTree>
+      <p:nvGrpSpPr>
+        <p:cNvPr id="1" name=""/>
+        <p:cNvGrpSpPr/>
+        <p:nvPr/>
+      </p:nvGrpSpPr>
+      <p:grpSpPr>
+        <a:xfrm>
+          <a:off x="0" y="0"/>
+          <a:ext cx="0" cy="0"/>
+          <a:chOff x="0" y="0"/>
+          <a:chExt cx="0" cy="0"/>
+        </a:xfrm>
+      </p:grpSpPr>
+      <p:sp>
+        <p:nvSpPr>
+          <p:cNvPr id="2" name="标题 1"/>
+          <p:cNvSpPr>
+            <a:spLocks noGrp="1"/>
+          </p:cNvSpPr>
+          <p:nvPr>
+            <p:ph type="title"/>
+          </p:nvPr>
+        </p:nvSpPr>
+        <p:spPr/>
+        <p:txBody>
+          <a:bodyPr/>
+          <a:lstStyle/>
+          <a:p>
+            <a:r>
+              <a:rPr lang="en-US" altLang="zh-CN" dirty="0" smtClean="0"/>
               <a:t>Express  response</a:t>
             </a:r>
             <a:r>
@@ -4322,11 +4680,339 @@
             </a:r>
             <a:r>
               <a:rPr lang="zh-CN" altLang="en-US" dirty="0" smtClean="0"/>
-              <a:t> </a:t>
-            </a:r>
-            <a:r>
-              <a:rPr lang="zh-CN" altLang="en-US" dirty="0" smtClean="0"/>
-              <a:t>向客户端渲染视图</a:t>
+              <a:t> 向客户端渲染视图</a:t>
+            </a:r>
+            <a:endParaRPr lang="zh-CN" altLang="en-US" dirty="0"/>
+          </a:p>
+        </p:txBody>
+      </p:sp>
+    </p:spTree>
+  </p:cSld>
+  <p:clrMapOvr>
+    <a:masterClrMapping/>
+  </p:clrMapOvr>
+</p:sld>
+</file>
+
+<file path=ppt/slides/slide13.xml><?xml version="1.0" encoding="utf-8"?>
+<p:sld xmlns:a="http://schemas.openxmlformats.org/drawingml/2006/main" xmlns:r="http://schemas.openxmlformats.org/officeDocument/2006/relationships" xmlns:p="http://schemas.openxmlformats.org/presentationml/2006/main">
+  <p:cSld>
+    <p:spTree>
+      <p:nvGrpSpPr>
+        <p:cNvPr id="1" name=""/>
+        <p:cNvGrpSpPr/>
+        <p:nvPr/>
+      </p:nvGrpSpPr>
+      <p:grpSpPr>
+        <a:xfrm>
+          <a:off x="0" y="0"/>
+          <a:ext cx="0" cy="0"/>
+          <a:chOff x="0" y="0"/>
+          <a:chExt cx="0" cy="0"/>
+        </a:xfrm>
+      </p:grpSpPr>
+      <p:sp>
+        <p:nvSpPr>
+          <p:cNvPr id="2" name="标题 1"/>
+          <p:cNvSpPr>
+            <a:spLocks noGrp="1"/>
+          </p:cNvSpPr>
+          <p:nvPr>
+            <p:ph type="title"/>
+          </p:nvPr>
+        </p:nvSpPr>
+        <p:spPr/>
+        <p:txBody>
+          <a:bodyPr/>
+          <a:lstStyle/>
+          <a:p>
+            <a:r>
+              <a:rPr lang="en-US" altLang="zh-CN" dirty="0" smtClean="0"/>
+              <a:t>bower</a:t>
+            </a:r>
+            <a:endParaRPr lang="zh-CN" altLang="en-US" dirty="0"/>
+          </a:p>
+        </p:txBody>
+      </p:sp>
+      <p:sp>
+        <p:nvSpPr>
+          <p:cNvPr id="3" name="内容占位符 2"/>
+          <p:cNvSpPr>
+            <a:spLocks noGrp="1"/>
+          </p:cNvSpPr>
+          <p:nvPr>
+            <p:ph idx="1"/>
+          </p:nvPr>
+        </p:nvSpPr>
+        <p:spPr/>
+        <p:txBody>
+          <a:bodyPr>
+            <a:normAutofit fontScale="92500" lnSpcReduction="20000"/>
+          </a:bodyPr>
+          <a:lstStyle/>
+          <a:p>
+            <a:r>
+              <a:rPr lang="zh-CN" altLang="en-US" dirty="0" smtClean="0"/>
+              <a:t>安装</a:t>
+            </a:r>
+            <a:endParaRPr lang="en-US" altLang="zh-CN" dirty="0" smtClean="0"/>
+          </a:p>
+          <a:p>
+            <a:pPr>
+              <a:buNone/>
+            </a:pPr>
+            <a:endParaRPr lang="en-US" altLang="zh-CN" dirty="0" smtClean="0"/>
+          </a:p>
+          <a:p>
+            <a:pPr>
+              <a:buNone/>
+            </a:pPr>
+            <a:r>
+              <a:rPr lang="en-US" altLang="zh-CN" dirty="0" smtClean="0"/>
+              <a:t>	</a:t>
+            </a:r>
+            <a:r>
+              <a:rPr lang="en-US" altLang="zh-CN" dirty="0" err="1" smtClean="0"/>
+              <a:t>npm</a:t>
+            </a:r>
+            <a:r>
+              <a:rPr lang="en-US" altLang="zh-CN" dirty="0" smtClean="0"/>
+              <a:t> install –g bower</a:t>
+            </a:r>
+            <a:r>
+              <a:rPr lang="zh-CN" altLang="en-US" dirty="0" smtClean="0"/>
+              <a:t>（全局安装）</a:t>
+            </a:r>
+            <a:endParaRPr lang="en-US" altLang="zh-CN" dirty="0" smtClean="0"/>
+          </a:p>
+          <a:p>
+            <a:pPr>
+              <a:buNone/>
+            </a:pPr>
+            <a:endParaRPr lang="en-US" altLang="zh-CN" dirty="0" smtClean="0"/>
+          </a:p>
+          <a:p>
+            <a:r>
+              <a:rPr lang="zh-CN" altLang="en-US" dirty="0" smtClean="0"/>
+              <a:t>项目里初始化</a:t>
+            </a:r>
+            <a:r>
+              <a:rPr lang="en-US" altLang="zh-CN" dirty="0" smtClean="0"/>
+              <a:t>bower</a:t>
+            </a:r>
+          </a:p>
+          <a:p>
+            <a:pPr>
+              <a:buNone/>
+            </a:pPr>
+            <a:endParaRPr lang="en-US" altLang="zh-CN" dirty="0" smtClean="0"/>
+          </a:p>
+          <a:p>
+            <a:pPr>
+              <a:buNone/>
+            </a:pPr>
+            <a:r>
+              <a:rPr lang="en-US" altLang="zh-CN" dirty="0" smtClean="0"/>
+              <a:t>	</a:t>
+            </a:r>
+            <a:r>
+              <a:rPr lang="zh-CN" altLang="en-US" dirty="0" smtClean="0"/>
+              <a:t>浏览到项目跟目录，执行</a:t>
+            </a:r>
+            <a:r>
+              <a:rPr lang="en-US" altLang="zh-CN" dirty="0" smtClean="0"/>
+              <a:t>bower init</a:t>
+            </a:r>
+            <a:r>
+              <a:rPr lang="zh-CN" altLang="en-US" dirty="0" smtClean="0"/>
+              <a:t>命令</a:t>
+            </a:r>
+            <a:endParaRPr lang="en-US" altLang="zh-CN" dirty="0" smtClean="0"/>
+          </a:p>
+          <a:p>
+            <a:pPr>
+              <a:buNone/>
+            </a:pPr>
+            <a:endParaRPr lang="en-US" altLang="zh-CN" dirty="0" smtClean="0"/>
+          </a:p>
+          <a:p>
+            <a:r>
+              <a:rPr lang="zh-CN" altLang="en-US" dirty="0" smtClean="0"/>
+              <a:t>浏览器端插件安装</a:t>
+            </a:r>
+            <a:endParaRPr lang="en-US" altLang="zh-CN" dirty="0" smtClean="0"/>
+          </a:p>
+          <a:p>
+            <a:pPr>
+              <a:buNone/>
+            </a:pPr>
+            <a:endParaRPr lang="en-US" altLang="zh-CN" dirty="0" smtClean="0"/>
+          </a:p>
+          <a:p>
+            <a:pPr>
+              <a:buNone/>
+            </a:pPr>
+            <a:r>
+              <a:rPr lang="en-US" altLang="zh-CN" dirty="0" smtClean="0"/>
+              <a:t>	bower install [</a:t>
+            </a:r>
+            <a:r>
+              <a:rPr lang="zh-CN" altLang="en-US" dirty="0" smtClean="0"/>
+              <a:t>插件名</a:t>
+            </a:r>
+            <a:r>
+              <a:rPr lang="en-US" altLang="zh-CN" dirty="0" smtClean="0"/>
+              <a:t>] [--save][-dev]</a:t>
+            </a:r>
+          </a:p>
+          <a:p>
+            <a:pPr>
+              <a:buNone/>
+            </a:pPr>
+            <a:r>
+              <a:rPr lang="en-US" altLang="zh-CN" dirty="0" smtClean="0"/>
+              <a:t>    </a:t>
+            </a:r>
+          </a:p>
+          <a:p>
+            <a:pPr>
+              <a:buNone/>
+            </a:pPr>
+            <a:endParaRPr lang="en-US" altLang="zh-CN" dirty="0" smtClean="0"/>
+          </a:p>
+        </p:txBody>
+      </p:sp>
+    </p:spTree>
+  </p:cSld>
+  <p:clrMapOvr>
+    <a:masterClrMapping/>
+  </p:clrMapOvr>
+</p:sld>
+</file>
+
+<file path=ppt/slides/slide14.xml><?xml version="1.0" encoding="utf-8"?>
+<p:sld xmlns:a="http://schemas.openxmlformats.org/drawingml/2006/main" xmlns:r="http://schemas.openxmlformats.org/officeDocument/2006/relationships" xmlns:p="http://schemas.openxmlformats.org/presentationml/2006/main">
+  <p:cSld>
+    <p:spTree>
+      <p:nvGrpSpPr>
+        <p:cNvPr id="1" name=""/>
+        <p:cNvGrpSpPr/>
+        <p:nvPr/>
+      </p:nvGrpSpPr>
+      <p:grpSpPr>
+        <a:xfrm>
+          <a:off x="0" y="0"/>
+          <a:ext cx="0" cy="0"/>
+          <a:chOff x="0" y="0"/>
+          <a:chExt cx="0" cy="0"/>
+        </a:xfrm>
+      </p:grpSpPr>
+      <p:sp>
+        <p:nvSpPr>
+          <p:cNvPr id="2" name="标题 1"/>
+          <p:cNvSpPr>
+            <a:spLocks noGrp="1"/>
+          </p:cNvSpPr>
+          <p:nvPr>
+            <p:ph type="title"/>
+          </p:nvPr>
+        </p:nvSpPr>
+        <p:spPr/>
+        <p:txBody>
+          <a:bodyPr/>
+          <a:lstStyle/>
+          <a:p>
+            <a:r>
+              <a:rPr lang="en-US" altLang="zh-CN" dirty="0" smtClean="0"/>
+              <a:t>bower</a:t>
+            </a:r>
+            <a:endParaRPr lang="zh-CN" altLang="en-US" dirty="0"/>
+          </a:p>
+        </p:txBody>
+      </p:sp>
+      <p:sp>
+        <p:nvSpPr>
+          <p:cNvPr id="3" name="内容占位符 2"/>
+          <p:cNvSpPr>
+            <a:spLocks noGrp="1"/>
+          </p:cNvSpPr>
+          <p:nvPr>
+            <p:ph idx="1"/>
+          </p:nvPr>
+        </p:nvSpPr>
+        <p:spPr/>
+        <p:txBody>
+          <a:bodyPr/>
+          <a:lstStyle/>
+          <a:p>
+            <a:r>
+              <a:rPr lang="en-US" altLang="zh-CN" dirty="0" smtClean="0"/>
+              <a:t>Bower</a:t>
+            </a:r>
+            <a:r>
+              <a:rPr lang="zh-CN" altLang="en-US" dirty="0" smtClean="0"/>
+              <a:t>配置文件</a:t>
+            </a:r>
+            <a:endParaRPr lang="en-US" altLang="zh-CN" dirty="0" smtClean="0"/>
+          </a:p>
+          <a:p>
+            <a:endParaRPr lang="en-US" altLang="zh-CN" dirty="0" smtClean="0"/>
+          </a:p>
+          <a:p>
+            <a:pPr>
+              <a:buNone/>
+            </a:pPr>
+            <a:r>
+              <a:rPr lang="en-US" altLang="zh-CN" dirty="0" smtClean="0"/>
+              <a:t>	.</a:t>
+            </a:r>
+            <a:r>
+              <a:rPr lang="en-US" altLang="zh-CN" dirty="0" err="1" smtClean="0"/>
+              <a:t>bowerrc</a:t>
+            </a:r>
+            <a:r>
+              <a:rPr lang="zh-CN" altLang="en-US" dirty="0" smtClean="0"/>
+              <a:t>文件配置项：</a:t>
+            </a:r>
+            <a:endParaRPr lang="en-US" altLang="zh-CN" dirty="0" smtClean="0"/>
+          </a:p>
+          <a:p>
+            <a:pPr>
+              <a:buNone/>
+            </a:pPr>
+            <a:endParaRPr lang="en-US" altLang="zh-CN" dirty="0" smtClean="0"/>
+          </a:p>
+          <a:p>
+            <a:pPr>
+              <a:buNone/>
+            </a:pPr>
+            <a:r>
+              <a:rPr lang="en-US" altLang="zh-CN" dirty="0" smtClean="0"/>
+              <a:t>		directory</a:t>
+            </a:r>
+            <a:r>
+              <a:rPr lang="zh-CN" altLang="en-US" dirty="0" smtClean="0"/>
+              <a:t>（插件安装目录）</a:t>
+            </a:r>
+            <a:endParaRPr lang="en-US" altLang="zh-CN" dirty="0" smtClean="0"/>
+          </a:p>
+          <a:p>
+            <a:pPr>
+              <a:buNone/>
+            </a:pPr>
+            <a:endParaRPr lang="en-US" altLang="zh-CN" dirty="0" smtClean="0"/>
+          </a:p>
+          <a:p>
+            <a:pPr>
+              <a:buNone/>
+            </a:pPr>
+            <a:r>
+              <a:rPr lang="zh-CN" altLang="en-US" dirty="0" smtClean="0"/>
+              <a:t>参考例子：</a:t>
+            </a:r>
+            <a:r>
+              <a:rPr lang="en-US" altLang="zh-CN" dirty="0" smtClean="0"/>
+              <a:t>bower-example</a:t>
             </a:r>
             <a:endParaRPr lang="zh-CN" altLang="en-US" dirty="0"/>
           </a:p>
@@ -5219,7 +5905,7 @@
         <p:spPr/>
         <p:txBody>
           <a:bodyPr>
-            <a:normAutofit fontScale="92500" lnSpcReduction="20000"/>
+            <a:normAutofit/>
           </a:bodyPr>
           <a:lstStyle/>
           <a:p>
@@ -5258,56 +5944,6 @@
               <a:buNone/>
             </a:pPr>
             <a:endParaRPr lang="en-US" altLang="zh-CN" dirty="0" smtClean="0"/>
-          </a:p>
-          <a:p>
-            <a:r>
-              <a:rPr lang="zh-CN" altLang="en-US" dirty="0" smtClean="0"/>
-              <a:t>路由</a:t>
-            </a:r>
-            <a:endParaRPr lang="en-US" altLang="zh-CN" dirty="0" smtClean="0"/>
-          </a:p>
-          <a:p>
-            <a:pPr>
-              <a:buNone/>
-            </a:pPr>
-            <a:endParaRPr lang="en-US" altLang="zh-CN" dirty="0" smtClean="0"/>
-          </a:p>
-          <a:p>
-            <a:pPr>
-              <a:buNone/>
-            </a:pPr>
-            <a:r>
-              <a:rPr lang="en-US" altLang="zh-CN" dirty="0" smtClean="0"/>
-              <a:t>	</a:t>
-            </a:r>
-            <a:r>
-              <a:rPr lang="zh-CN" altLang="en-US" dirty="0" smtClean="0"/>
-              <a:t>路由是将请求路由到处理它们的代码去的一种机制。</a:t>
-            </a:r>
-            <a:endParaRPr lang="en-US" altLang="zh-CN" dirty="0" smtClean="0"/>
-          </a:p>
-          <a:p>
-            <a:pPr>
-              <a:buNone/>
-            </a:pPr>
-            <a:endParaRPr lang="en-US" altLang="zh-CN" dirty="0" smtClean="0"/>
-          </a:p>
-          <a:p>
-            <a:pPr>
-              <a:buNone/>
-            </a:pPr>
-            <a:r>
-              <a:rPr lang="en-US" altLang="zh-CN" dirty="0" smtClean="0"/>
-              <a:t>	</a:t>
-            </a:r>
-            <a:r>
-              <a:rPr lang="zh-CN" altLang="en-US" dirty="0" smtClean="0"/>
-              <a:t>参见例子</a:t>
-            </a:r>
-            <a:r>
-              <a:rPr lang="en-US" altLang="zh-CN" dirty="0" smtClean="0"/>
-              <a:t>express-example-router</a:t>
-            </a:r>
           </a:p>
           <a:p>
             <a:pPr>
@@ -5407,7 +6043,15 @@
           <a:p>
             <a:r>
               <a:rPr lang="en-US" altLang="zh-CN" dirty="0" smtClean="0"/>
-              <a:t>Express-handlebars</a:t>
+              <a:t>Express router(</a:t>
+            </a:r>
+            <a:r>
+              <a:rPr lang="zh-CN" altLang="en-US" dirty="0" smtClean="0"/>
+              <a:t>路由</a:t>
+            </a:r>
+            <a:r>
+              <a:rPr lang="en-US" altLang="zh-CN" dirty="0" smtClean="0"/>
+              <a:t>)</a:t>
             </a:r>
             <a:endParaRPr lang="zh-CN" altLang="en-US" dirty="0"/>
           </a:p>
@@ -5425,18 +6069,12 @@
         </p:nvSpPr>
         <p:spPr/>
         <p:txBody>
-          <a:bodyPr>
-            <a:normAutofit/>
-          </a:bodyPr>
-          <a:lstStyle/>
-          <a:p>
-            <a:r>
-              <a:rPr lang="zh-CN" altLang="en-US" dirty="0" smtClean="0"/>
-              <a:t>是什么</a:t>
-            </a:r>
-            <a:r>
-              <a:rPr lang="zh-CN" altLang="en-US" dirty="0" smtClean="0"/>
-              <a:t>？</a:t>
+          <a:bodyPr/>
+          <a:lstStyle/>
+          <a:p>
+            <a:r>
+              <a:rPr lang="zh-CN" altLang="en-US" dirty="0" smtClean="0"/>
+              <a:t>路由</a:t>
             </a:r>
             <a:endParaRPr lang="en-US" altLang="zh-CN" dirty="0" smtClean="0"/>
           </a:p>
@@ -5455,20 +6093,8 @@
               <a:t>	</a:t>
             </a:r>
             <a:r>
-              <a:rPr lang="en-US" altLang="zh-CN" dirty="0" smtClean="0"/>
-              <a:t>handlebars</a:t>
-            </a:r>
-            <a:r>
-              <a:rPr lang="zh-CN" altLang="en-US" dirty="0" smtClean="0"/>
-              <a:t>是基于</a:t>
-            </a:r>
-            <a:r>
-              <a:rPr lang="en-US" altLang="zh-CN" dirty="0" smtClean="0"/>
-              <a:t>Mustache</a:t>
-            </a:r>
-            <a:r>
-              <a:rPr lang="zh-CN" altLang="en-US" dirty="0" smtClean="0"/>
-              <a:t>的模板引擎，分为前端模板和后端模板。</a:t>
+              <a:rPr lang="zh-CN" altLang="en-US" dirty="0" smtClean="0"/>
+              <a:t>路由是将请求路由到处理它们的代码去的一种机制。</a:t>
             </a:r>
             <a:endParaRPr lang="en-US" altLang="zh-CN" dirty="0" smtClean="0"/>
           </a:p>
@@ -5488,74 +6114,12 @@
             </a:r>
             <a:r>
               <a:rPr lang="zh-CN" altLang="en-US" dirty="0" smtClean="0"/>
-              <a:t>后端模板例子参见</a:t>
-            </a:r>
-            <a:r>
-              <a:rPr lang="en-US" altLang="zh-CN" dirty="0" smtClean="0"/>
-              <a:t>express-example-template</a:t>
-            </a:r>
-          </a:p>
-          <a:p>
-            <a:endParaRPr lang="en-US" altLang="zh-CN" dirty="0" smtClean="0"/>
-          </a:p>
-          <a:p>
-            <a:r>
-              <a:rPr lang="zh-CN" altLang="en-US" dirty="0" smtClean="0"/>
-              <a:t>知识点</a:t>
-            </a:r>
-            <a:endParaRPr lang="en-US" altLang="zh-CN" dirty="0" smtClean="0"/>
-          </a:p>
-          <a:p>
-            <a:pPr>
-              <a:buNone/>
-            </a:pPr>
-            <a:r>
-              <a:rPr lang="en-US" altLang="zh-CN" dirty="0" smtClean="0"/>
-              <a:t>     1.</a:t>
-            </a:r>
-            <a:r>
-              <a:rPr lang="zh-CN" altLang="en-US" dirty="0" smtClean="0"/>
-              <a:t>布局   </a:t>
-            </a:r>
-            <a:r>
-              <a:rPr lang="en-US" altLang="zh-CN" dirty="0" smtClean="0"/>
-              <a:t>2.</a:t>
-            </a:r>
-            <a:r>
-              <a:rPr lang="zh-CN" altLang="en-US" dirty="0" smtClean="0"/>
-              <a:t>模板语法 </a:t>
-            </a:r>
-            <a:r>
-              <a:rPr lang="en-US" altLang="zh-CN" dirty="0" smtClean="0"/>
-              <a:t>3.</a:t>
-            </a:r>
-            <a:r>
-              <a:rPr lang="zh-CN" altLang="en-US" dirty="0" smtClean="0"/>
-              <a:t>局部文件 </a:t>
-            </a:r>
-            <a:r>
-              <a:rPr lang="en-US" altLang="zh-CN" dirty="0" smtClean="0"/>
-              <a:t>4.</a:t>
-            </a:r>
-            <a:r>
-              <a:rPr lang="zh-CN" altLang="en-US" dirty="0" smtClean="0"/>
-              <a:t>段落</a:t>
-            </a:r>
-            <a:endParaRPr lang="en-US" altLang="zh-CN" dirty="0" smtClean="0"/>
-          </a:p>
-          <a:p>
-            <a:endParaRPr lang="en-US" altLang="zh-CN" dirty="0" smtClean="0"/>
-          </a:p>
-          <a:p>
-            <a:pPr>
-              <a:buNone/>
-            </a:pPr>
-            <a:endParaRPr lang="en-US" altLang="zh-CN" dirty="0" smtClean="0"/>
-          </a:p>
-          <a:p>
-            <a:pPr>
-              <a:buNone/>
-            </a:pPr>
+              <a:t>参见例子</a:t>
+            </a:r>
+            <a:r>
+              <a:rPr lang="en-US" altLang="zh-CN" dirty="0" smtClean="0"/>
+              <a:t>express-example-router</a:t>
+            </a:r>
             <a:endParaRPr lang="en-US" altLang="zh-CN" dirty="0" smtClean="0"/>
           </a:p>
         </p:txBody>
@@ -5602,11 +6166,11 @@
           <a:p>
             <a:r>
               <a:rPr lang="en-US" altLang="zh-CN" dirty="0" smtClean="0"/>
-              <a:t>Express request</a:t>
-            </a:r>
-            <a:r>
-              <a:rPr lang="zh-CN" altLang="en-US" dirty="0" smtClean="0"/>
-              <a:t>对象</a:t>
+              <a:t>Express static</a:t>
+            </a:r>
+            <a:r>
+              <a:rPr lang="zh-CN" altLang="en-US" dirty="0" smtClean="0"/>
+              <a:t>方法</a:t>
             </a:r>
             <a:endParaRPr lang="zh-CN" altLang="en-US" dirty="0"/>
           </a:p>
@@ -5628,100 +6192,52 @@
           <a:lstStyle/>
           <a:p>
             <a:r>
-              <a:rPr lang="en-US" altLang="zh-CN" dirty="0" err="1" smtClean="0"/>
-              <a:t>Request.params</a:t>
-            </a:r>
-            <a:r>
-              <a:rPr lang="en-US" altLang="zh-CN" dirty="0" smtClean="0"/>
-              <a:t> </a:t>
-            </a:r>
-            <a:r>
-              <a:rPr lang="zh-CN" altLang="en-US" dirty="0" smtClean="0"/>
-              <a:t>返回命名的路由参数</a:t>
-            </a:r>
-            <a:endParaRPr lang="en-US" altLang="zh-CN" dirty="0" smtClean="0"/>
-          </a:p>
-          <a:p>
-            <a:endParaRPr lang="en-US" altLang="zh-CN" dirty="0" smtClean="0"/>
-          </a:p>
-          <a:p>
-            <a:r>
-              <a:rPr lang="en-US" altLang="zh-CN" dirty="0" err="1" smtClean="0"/>
-              <a:t>Request.query</a:t>
-            </a:r>
-            <a:r>
-              <a:rPr lang="en-US" altLang="zh-CN" dirty="0" smtClean="0"/>
-              <a:t>  </a:t>
-            </a:r>
-            <a:r>
-              <a:rPr lang="zh-CN" altLang="en-US" dirty="0" smtClean="0"/>
-              <a:t>一个对象，包含以键值对存放的查询字符串参数</a:t>
-            </a:r>
-            <a:endParaRPr lang="en-US" altLang="zh-CN" dirty="0" smtClean="0"/>
-          </a:p>
-          <a:p>
-            <a:endParaRPr lang="en-US" altLang="zh-CN" dirty="0" smtClean="0"/>
-          </a:p>
-          <a:p>
-            <a:r>
-              <a:rPr lang="en-US" altLang="zh-CN" dirty="0" err="1" smtClean="0"/>
-              <a:t>Request.body</a:t>
-            </a:r>
-            <a:r>
-              <a:rPr lang="en-US" altLang="zh-CN" dirty="0" smtClean="0"/>
-              <a:t>  </a:t>
-            </a:r>
-            <a:r>
-              <a:rPr lang="zh-CN" altLang="en-US" dirty="0" smtClean="0"/>
-              <a:t>一个对象，包含</a:t>
-            </a:r>
-            <a:r>
-              <a:rPr lang="en-US" altLang="zh-CN" dirty="0" smtClean="0"/>
-              <a:t>post</a:t>
-            </a:r>
-            <a:r>
-              <a:rPr lang="zh-CN" altLang="en-US" dirty="0" smtClean="0"/>
-              <a:t>请求参数</a:t>
-            </a:r>
-            <a:r>
-              <a:rPr lang="en-US" altLang="zh-CN" dirty="0" smtClean="0"/>
-              <a:t>(</a:t>
-            </a:r>
-            <a:r>
-              <a:rPr lang="zh-CN" altLang="en-US" dirty="0" smtClean="0"/>
-              <a:t>需要引入</a:t>
-            </a:r>
-            <a:r>
-              <a:rPr lang="en-US" altLang="zh-CN" dirty="0" smtClean="0"/>
-              <a:t>body-parser</a:t>
-            </a:r>
-            <a:r>
-              <a:rPr lang="zh-CN" altLang="en-US" dirty="0" smtClean="0"/>
-              <a:t>模块</a:t>
-            </a:r>
-            <a:r>
-              <a:rPr lang="en-US" altLang="zh-CN" dirty="0" smtClean="0"/>
-              <a:t>)</a:t>
-            </a:r>
-          </a:p>
-          <a:p>
-            <a:endParaRPr lang="en-US" altLang="zh-CN" dirty="0" smtClean="0"/>
-          </a:p>
-          <a:p>
-            <a:pPr>
-              <a:buNone/>
-            </a:pPr>
-            <a:r>
-              <a:rPr lang="en-US" altLang="zh-CN" dirty="0" smtClean="0"/>
-              <a:t>		</a:t>
-            </a:r>
-            <a:r>
-              <a:rPr lang="zh-CN" altLang="en-US" dirty="0" smtClean="0"/>
-              <a:t>例子参见</a:t>
-            </a:r>
-            <a:r>
-              <a:rPr lang="en-US" altLang="zh-CN" dirty="0" smtClean="0"/>
-              <a:t>express-example-request</a:t>
+              <a:rPr lang="zh-CN" altLang="en-US" dirty="0" smtClean="0"/>
+              <a:t>静态资源中间件</a:t>
+            </a:r>
+            <a:endParaRPr lang="en-US" altLang="zh-CN" dirty="0" smtClean="0"/>
+          </a:p>
+          <a:p>
+            <a:pPr>
+              <a:buNone/>
+            </a:pPr>
+            <a:endParaRPr lang="en-US" altLang="zh-CN" dirty="0" smtClean="0"/>
+          </a:p>
+          <a:p>
+            <a:pPr>
+              <a:buNone/>
+            </a:pPr>
+            <a:r>
+              <a:rPr lang="en-US" altLang="zh-CN" dirty="0" smtClean="0"/>
+              <a:t>	static</a:t>
+            </a:r>
+            <a:r>
+              <a:rPr lang="zh-CN" altLang="en-US" dirty="0" smtClean="0"/>
+              <a:t>中间件相当于给想要发送的所有静态文件创建了一个路由，渲染文件并发送给客户端。</a:t>
+            </a:r>
+            <a:endParaRPr lang="en-US" altLang="zh-CN" dirty="0" smtClean="0"/>
+          </a:p>
+          <a:p>
+            <a:pPr>
+              <a:buNone/>
+            </a:pPr>
+            <a:endParaRPr lang="en-US" altLang="zh-CN" dirty="0" smtClean="0"/>
+          </a:p>
+          <a:p>
+            <a:pPr>
+              <a:buNone/>
+            </a:pPr>
+            <a:r>
+              <a:rPr lang="en-US" altLang="zh-CN" dirty="0" smtClean="0"/>
+              <a:t>	</a:t>
+            </a:r>
+            <a:r>
+              <a:rPr lang="zh-CN" altLang="en-US" dirty="0" smtClean="0"/>
+              <a:t>例子参考</a:t>
+            </a:r>
+            <a:r>
+              <a:rPr lang="en-US" altLang="zh-CN" dirty="0" smtClean="0"/>
+              <a:t>express-example-static</a:t>
             </a:r>
             <a:endParaRPr lang="zh-CN" altLang="en-US" dirty="0"/>
           </a:p>

--- a/前端开发技术培训.pptx
+++ b/前端开发技术培训.pptx
@@ -779,7 +779,7 @@
             <a:fld id="{530820CF-B880-4189-942D-D702A7CBA730}" type="datetimeFigureOut">
               <a:rPr lang="zh-CN" altLang="en-US" smtClean="0"/>
               <a:pPr/>
-              <a:t>2016/11/28</a:t>
+              <a:t>2016/11/29</a:t>
             </a:fld>
             <a:endParaRPr lang="zh-CN" altLang="en-US"/>
           </a:p>
@@ -964,7 +964,7 @@
             <a:fld id="{530820CF-B880-4189-942D-D702A7CBA730}" type="datetimeFigureOut">
               <a:rPr lang="zh-CN" altLang="en-US" smtClean="0"/>
               <a:pPr/>
-              <a:t>2016/11/28</a:t>
+              <a:t>2016/11/29</a:t>
             </a:fld>
             <a:endParaRPr lang="zh-CN" altLang="en-US"/>
           </a:p>
@@ -1141,7 +1141,7 @@
             <a:fld id="{530820CF-B880-4189-942D-D702A7CBA730}" type="datetimeFigureOut">
               <a:rPr lang="zh-CN" altLang="en-US" smtClean="0"/>
               <a:pPr/>
-              <a:t>2016/11/28</a:t>
+              <a:t>2016/11/29</a:t>
             </a:fld>
             <a:endParaRPr lang="zh-CN" altLang="en-US"/>
           </a:p>
@@ -1308,7 +1308,7 @@
             <a:fld id="{530820CF-B880-4189-942D-D702A7CBA730}" type="datetimeFigureOut">
               <a:rPr lang="zh-CN" altLang="en-US" smtClean="0"/>
               <a:pPr/>
-              <a:t>2016/11/28</a:t>
+              <a:t>2016/11/29</a:t>
             </a:fld>
             <a:endParaRPr lang="zh-CN" altLang="en-US"/>
           </a:p>
@@ -1531,7 +1531,7 @@
             <a:fld id="{530820CF-B880-4189-942D-D702A7CBA730}" type="datetimeFigureOut">
               <a:rPr lang="zh-CN" altLang="en-US" smtClean="0"/>
               <a:pPr/>
-              <a:t>2016/11/28</a:t>
+              <a:t>2016/11/29</a:t>
             </a:fld>
             <a:endParaRPr lang="zh-CN" altLang="en-US"/>
           </a:p>
@@ -1792,7 +1792,7 @@
             <a:fld id="{530820CF-B880-4189-942D-D702A7CBA730}" type="datetimeFigureOut">
               <a:rPr lang="zh-CN" altLang="en-US" smtClean="0"/>
               <a:pPr/>
-              <a:t>2016/11/28</a:t>
+              <a:t>2016/11/29</a:t>
             </a:fld>
             <a:endParaRPr lang="zh-CN" altLang="en-US"/>
           </a:p>
@@ -2198,7 +2198,7 @@
             <a:fld id="{530820CF-B880-4189-942D-D702A7CBA730}" type="datetimeFigureOut">
               <a:rPr lang="zh-CN" altLang="en-US" smtClean="0"/>
               <a:pPr/>
-              <a:t>2016/11/28</a:t>
+              <a:t>2016/11/29</a:t>
             </a:fld>
             <a:endParaRPr lang="zh-CN" altLang="en-US"/>
           </a:p>
@@ -2331,7 +2331,7 @@
             <a:fld id="{530820CF-B880-4189-942D-D702A7CBA730}" type="datetimeFigureOut">
               <a:rPr lang="zh-CN" altLang="en-US" smtClean="0"/>
               <a:pPr/>
-              <a:t>2016/11/28</a:t>
+              <a:t>2016/11/29</a:t>
             </a:fld>
             <a:endParaRPr lang="zh-CN" altLang="en-US"/>
           </a:p>
@@ -2433,7 +2433,7 @@
             <a:fld id="{530820CF-B880-4189-942D-D702A7CBA730}" type="datetimeFigureOut">
               <a:rPr lang="zh-CN" altLang="en-US" smtClean="0"/>
               <a:pPr/>
-              <a:t>2016/11/28</a:t>
+              <a:t>2016/11/29</a:t>
             </a:fld>
             <a:endParaRPr lang="zh-CN" altLang="en-US"/>
           </a:p>
@@ -2680,7 +2680,7 @@
             <a:fld id="{530820CF-B880-4189-942D-D702A7CBA730}" type="datetimeFigureOut">
               <a:rPr lang="zh-CN" altLang="en-US" smtClean="0"/>
               <a:pPr/>
-              <a:t>2016/11/28</a:t>
+              <a:t>2016/11/29</a:t>
             </a:fld>
             <a:endParaRPr lang="zh-CN" altLang="en-US"/>
           </a:p>
@@ -2926,7 +2926,7 @@
             <a:fld id="{530820CF-B880-4189-942D-D702A7CBA730}" type="datetimeFigureOut">
               <a:rPr lang="zh-CN" altLang="en-US" smtClean="0"/>
               <a:pPr/>
-              <a:t>2016/11/28</a:t>
+              <a:t>2016/11/29</a:t>
             </a:fld>
             <a:endParaRPr lang="zh-CN" altLang="en-US"/>
           </a:p>
@@ -3752,7 +3752,7 @@
             <a:fld id="{530820CF-B880-4189-942D-D702A7CBA730}" type="datetimeFigureOut">
               <a:rPr lang="zh-CN" altLang="en-US" smtClean="0"/>
               <a:pPr/>
-              <a:t>2016/11/28</a:t>
+              <a:t>2016/11/29</a:t>
             </a:fld>
             <a:endParaRPr lang="zh-CN" altLang="en-US"/>
           </a:p>
@@ -4444,7 +4444,9 @@
         </p:nvSpPr>
         <p:spPr/>
         <p:txBody>
-          <a:bodyPr/>
+          <a:bodyPr>
+            <a:normAutofit fontScale="92500" lnSpcReduction="20000"/>
+          </a:bodyPr>
           <a:lstStyle/>
           <a:p>
             <a:r>
@@ -4523,6 +4525,40 @@
               <a:rPr lang="en-US" altLang="zh-CN" dirty="0" smtClean="0"/>
               <a:t>)</a:t>
             </a:r>
+          </a:p>
+          <a:p>
+            <a:endParaRPr lang="en-US" altLang="zh-CN" dirty="0" smtClean="0"/>
+          </a:p>
+          <a:p>
+            <a:r>
+              <a:rPr lang="en-US" altLang="zh-CN" dirty="0" err="1" smtClean="0"/>
+              <a:t>Request.session</a:t>
+            </a:r>
+            <a:r>
+              <a:rPr lang="en-US" altLang="zh-CN" dirty="0" smtClean="0"/>
+              <a:t> </a:t>
+            </a:r>
+            <a:r>
+              <a:rPr lang="zh-CN" altLang="en-US" dirty="0" smtClean="0"/>
+              <a:t>管理</a:t>
+            </a:r>
+            <a:r>
+              <a:rPr lang="en-US" altLang="zh-CN" dirty="0" smtClean="0"/>
+              <a:t>session</a:t>
+            </a:r>
+            <a:r>
+              <a:rPr lang="zh-CN" altLang="en-US" dirty="0" smtClean="0"/>
+              <a:t>（需要引入</a:t>
+            </a:r>
+            <a:r>
+              <a:rPr lang="en-US" altLang="zh-CN" dirty="0" smtClean="0"/>
+              <a:t>express-session</a:t>
+            </a:r>
+            <a:r>
+              <a:rPr lang="zh-CN" altLang="en-US" dirty="0" smtClean="0"/>
+              <a:t>模块）</a:t>
+            </a:r>
+            <a:endParaRPr lang="en-US" altLang="zh-CN" dirty="0" smtClean="0"/>
           </a:p>
           <a:p>
             <a:endParaRPr lang="en-US" altLang="zh-CN" dirty="0" smtClean="0"/>
@@ -5089,7 +5125,11 @@
           </a:p>
           <a:p>
             <a:r>
-              <a:rPr lang="en-US" altLang="zh-CN" dirty="0" smtClean="0"/>
+              <a:rPr lang="en-US" altLang="zh-CN" dirty="0" smtClean="0">
+                <a:solidFill>
+                  <a:srgbClr val="0070C0"/>
+                </a:solidFill>
+              </a:rPr>
               <a:t>express</a:t>
             </a:r>
           </a:p>
@@ -5114,13 +5154,21 @@
           </a:p>
           <a:p>
             <a:r>
-              <a:rPr lang="en-US" altLang="zh-CN" dirty="0" smtClean="0"/>
+              <a:rPr lang="en-US" altLang="zh-CN" dirty="0" smtClean="0">
+                <a:solidFill>
+                  <a:srgbClr val="0070C0"/>
+                </a:solidFill>
+              </a:rPr>
               <a:t>Bower</a:t>
             </a:r>
           </a:p>
           <a:p>
             <a:r>
-              <a:rPr lang="en-US" altLang="zh-CN" dirty="0" smtClean="0"/>
+              <a:rPr lang="en-US" altLang="zh-CN" dirty="0" smtClean="0">
+                <a:solidFill>
+                  <a:srgbClr val="0070C0"/>
+                </a:solidFill>
+              </a:rPr>
               <a:t>Handlebars</a:t>
             </a:r>
           </a:p>
@@ -5279,7 +5327,7 @@
             </a:r>
             <a:r>
               <a:rPr lang="en-US" altLang="zh-CN" dirty="0" smtClean="0"/>
-              <a:t>v 4.x</a:t>
+              <a:t>v4.x</a:t>
             </a:r>
             <a:r>
               <a:rPr lang="zh-CN" altLang="en-US" dirty="0" smtClean="0"/>
@@ -6120,7 +6168,6 @@
               <a:rPr lang="en-US" altLang="zh-CN" dirty="0" smtClean="0"/>
               <a:t>express-example-router</a:t>
             </a:r>
-            <a:endParaRPr lang="en-US" altLang="zh-CN" dirty="0" smtClean="0"/>
           </a:p>
         </p:txBody>
       </p:sp>

--- a/前端开发技术培训.pptx
+++ b/前端开发技术培训.pptx
@@ -5426,7 +5426,9 @@
         </p:nvSpPr>
         <p:spPr/>
         <p:txBody>
-          <a:bodyPr/>
+          <a:bodyPr>
+            <a:normAutofit/>
+          </a:bodyPr>
           <a:lstStyle/>
           <a:p>
             <a:pPr>
@@ -5442,7 +5444,31 @@
             </a:r>
             <a:r>
               <a:rPr lang="zh-CN" altLang="en-US" dirty="0" smtClean="0"/>
-              <a:t>函数引入模块</a:t>
+              <a:t>函数引入</a:t>
+            </a:r>
+            <a:r>
+              <a:rPr lang="zh-CN" altLang="en-US" dirty="0" smtClean="0"/>
+              <a:t>模块</a:t>
+            </a:r>
+            <a:r>
+              <a:rPr lang="zh-CN" altLang="en-US" dirty="0" smtClean="0"/>
+              <a:t>，被引入模块通过</a:t>
+            </a:r>
+            <a:r>
+              <a:rPr lang="en-US" altLang="zh-CN" dirty="0" err="1" smtClean="0"/>
+              <a:t>module.exports</a:t>
+            </a:r>
+            <a:r>
+              <a:rPr lang="zh-CN" altLang="en-US" dirty="0" smtClean="0"/>
+              <a:t>或</a:t>
+            </a:r>
+            <a:r>
+              <a:rPr lang="en-US" altLang="zh-CN" dirty="0" smtClean="0"/>
+              <a:t>exports.</a:t>
+            </a:r>
+            <a:r>
+              <a:rPr lang="zh-CN" altLang="en-US" dirty="0" smtClean="0"/>
+              <a:t>属性的方式向外暴露接口</a:t>
             </a:r>
             <a:endParaRPr lang="en-US" altLang="zh-CN" dirty="0" smtClean="0"/>
           </a:p>
@@ -5485,15 +5511,13 @@
             <a:pPr>
               <a:buNone/>
             </a:pPr>
-            <a:endParaRPr lang="en-US" altLang="zh-CN" dirty="0" smtClean="0"/>
-          </a:p>
-          <a:p>
-            <a:pPr>
-              <a:buNone/>
-            </a:pPr>
-            <a:r>
-              <a:rPr lang="zh-CN" altLang="en-US" dirty="0" smtClean="0"/>
-              <a:t>所有例子源码地址：</a:t>
+            <a:r>
+              <a:rPr lang="zh-CN" altLang="en-US" smtClean="0"/>
+              <a:t>所有</a:t>
+            </a:r>
+            <a:r>
+              <a:rPr lang="zh-CN" altLang="en-US" dirty="0" smtClean="0"/>
+              <a:t>例子源码地址：</a:t>
             </a:r>
             <a:r>
               <a:rPr lang="en-US" altLang="zh-CN" dirty="0" smtClean="0"/>
